--- a/Topic Modelling on News Articles.pptx
+++ b/Topic Modelling on News Articles.pptx
@@ -145,7 +145,7 @@
           <a:p>
             <a:fld id="{AEB160FB-7A5C-451C-BA68-B57B3DF09689}" type="datetimeFigureOut">
               <a:rPr lang="en-IN" smtClean="0"/>
-              <a:t>23-01-2023</a:t>
+              <a:t>24-01-2023</a:t>
             </a:fld>
             <a:endParaRPr lang="en-IN"/>
           </a:p>
@@ -558,7 +558,7 @@
           <a:p>
             <a:fld id="{1D8BD707-D9CF-40AE-B4C6-C98DA3205C09}" type="datetimeFigureOut">
               <a:rPr lang="en-US"/>
-              <a:t>1/23/2023</a:t>
+              <a:t>1/24/2023</a:t>
             </a:fld>
             <a:endParaRPr lang="en-US"/>
           </a:p>
@@ -735,7 +735,7 @@
           <a:p>
             <a:fld id="{1D8BD707-D9CF-40AE-B4C6-C98DA3205C09}" type="datetimeFigureOut">
               <a:rPr lang="en-US"/>
-              <a:t>1/23/2023</a:t>
+              <a:t>1/24/2023</a:t>
             </a:fld>
             <a:endParaRPr lang="en-US"/>
           </a:p>
@@ -961,7 +961,7 @@
           <a:p>
             <a:fld id="{1D8BD707-D9CF-40AE-B4C6-C98DA3205C09}" type="datetimeFigureOut">
               <a:rPr lang="en-US"/>
-              <a:t>1/23/2023</a:t>
+              <a:t>1/24/2023</a:t>
             </a:fld>
             <a:endParaRPr lang="en-US"/>
           </a:p>
@@ -1109,7 +1109,7 @@
           <a:p>
             <a:fld id="{1D8BD707-D9CF-40AE-B4C6-C98DA3205C09}" type="datetimeFigureOut">
               <a:rPr lang="en-US"/>
-              <a:t>1/23/2023</a:t>
+              <a:t>1/24/2023</a:t>
             </a:fld>
             <a:endParaRPr lang="en-US"/>
           </a:p>
@@ -1228,7 +1228,7 @@
           <a:p>
             <a:fld id="{1D8BD707-D9CF-40AE-B4C6-C98DA3205C09}" type="datetimeFigureOut">
               <a:rPr lang="en-US"/>
-              <a:t>1/23/2023</a:t>
+              <a:t>1/24/2023</a:t>
             </a:fld>
             <a:endParaRPr lang="en-US"/>
           </a:p>
@@ -1475,7 +1475,7 @@
           <a:p>
             <a:fld id="{1D8BD707-D9CF-40AE-B4C6-C98DA3205C09}" type="datetimeFigureOut">
               <a:rPr lang="en-US"/>
-              <a:t>1/23/2023</a:t>
+              <a:t>1/24/2023</a:t>
             </a:fld>
             <a:endParaRPr lang="en-US"/>
           </a:p>
@@ -3126,7 +3126,7 @@
           <a:p>
             <a:r>
               <a:rPr lang="en-IN"/>
-              <a:t>Latent Dirichlet Analysis (LDA) :</a:t>
+              <a:t>Latent Dirichlet Allocation (LDA) :</a:t>
             </a:r>
           </a:p>
         </p:txBody>
@@ -3684,7 +3684,7 @@
           <a:p>
             <a:r>
               <a:rPr lang="en-IN"/>
-              <a:t>Non-matrix Factorization (NMF)</a:t>
+              <a:t>Non- Negative Matrix Factorization (NMF)</a:t>
             </a:r>
           </a:p>
         </p:txBody>
@@ -4274,7 +4274,7 @@
               <a:rPr lang="en-IN" sz="1800">
                 <a:latin typeface="Montserrat" panose="00000500000000000000" pitchFamily="2" charset="0"/>
               </a:rPr>
-              <a:t>One such method is the Topic Modelling which comes under Natural Languaging Process (NLP) and mainly deals with the text data.</a:t>
+              <a:t>One such method is the Topic Modelling which comes under Natural Language Processing (NLP) and mainly deals with the text data.</a:t>
             </a:r>
           </a:p>
           <a:p>
